--- a/1/_2_3 Развитие и сосудистая организация мозга.pptx
+++ b/1/_2_3 Развитие и сосудистая организация мозга.pptx
@@ -12,6 +12,15 @@
     <p:sldId id="279" r:id="rId6"/>
     <p:sldId id="280" r:id="rId7"/>
     <p:sldId id="281" r:id="rId8"/>
+    <p:sldId id="282" r:id="rId9"/>
+    <p:sldId id="283" r:id="rId10"/>
+    <p:sldId id="284" r:id="rId11"/>
+    <p:sldId id="285" r:id="rId12"/>
+    <p:sldId id="286" r:id="rId13"/>
+    <p:sldId id="287" r:id="rId14"/>
+    <p:sldId id="288" r:id="rId15"/>
+    <p:sldId id="289" r:id="rId16"/>
+    <p:sldId id="290" r:id="rId17"/>
   </p:sldIdLst>
   <p:sldSz cx="12192000" cy="6858000"/>
   <p:notesSz cx="6858000" cy="9144000"/>
@@ -277,7 +286,7 @@
           <a:p>
             <a:fld id="{30A95110-85B8-4301-B13B-F280A06B402E}" type="datetimeFigureOut">
               <a:rPr lang="ru-RU" smtClean="0"/>
-              <a:t>14.08.2021</a:t>
+              <a:t>20.08.2021</a:t>
             </a:fld>
             <a:endParaRPr lang="ru-RU"/>
           </a:p>
@@ -475,7 +484,7 @@
           <a:p>
             <a:fld id="{30A95110-85B8-4301-B13B-F280A06B402E}" type="datetimeFigureOut">
               <a:rPr lang="ru-RU" smtClean="0"/>
-              <a:t>14.08.2021</a:t>
+              <a:t>20.08.2021</a:t>
             </a:fld>
             <a:endParaRPr lang="ru-RU"/>
           </a:p>
@@ -683,7 +692,7 @@
           <a:p>
             <a:fld id="{30A95110-85B8-4301-B13B-F280A06B402E}" type="datetimeFigureOut">
               <a:rPr lang="ru-RU" smtClean="0"/>
-              <a:t>14.08.2021</a:t>
+              <a:t>20.08.2021</a:t>
             </a:fld>
             <a:endParaRPr lang="ru-RU"/>
           </a:p>
@@ -881,7 +890,7 @@
           <a:p>
             <a:fld id="{30A95110-85B8-4301-B13B-F280A06B402E}" type="datetimeFigureOut">
               <a:rPr lang="ru-RU" smtClean="0"/>
-              <a:t>14.08.2021</a:t>
+              <a:t>20.08.2021</a:t>
             </a:fld>
             <a:endParaRPr lang="ru-RU"/>
           </a:p>
@@ -1156,7 +1165,7 @@
           <a:p>
             <a:fld id="{30A95110-85B8-4301-B13B-F280A06B402E}" type="datetimeFigureOut">
               <a:rPr lang="ru-RU" smtClean="0"/>
-              <a:t>14.08.2021</a:t>
+              <a:t>20.08.2021</a:t>
             </a:fld>
             <a:endParaRPr lang="ru-RU"/>
           </a:p>
@@ -1421,7 +1430,7 @@
           <a:p>
             <a:fld id="{30A95110-85B8-4301-B13B-F280A06B402E}" type="datetimeFigureOut">
               <a:rPr lang="ru-RU" smtClean="0"/>
-              <a:t>14.08.2021</a:t>
+              <a:t>20.08.2021</a:t>
             </a:fld>
             <a:endParaRPr lang="ru-RU"/>
           </a:p>
@@ -1833,7 +1842,7 @@
           <a:p>
             <a:fld id="{30A95110-85B8-4301-B13B-F280A06B402E}" type="datetimeFigureOut">
               <a:rPr lang="ru-RU" smtClean="0"/>
-              <a:t>14.08.2021</a:t>
+              <a:t>20.08.2021</a:t>
             </a:fld>
             <a:endParaRPr lang="ru-RU"/>
           </a:p>
@@ -1974,7 +1983,7 @@
           <a:p>
             <a:fld id="{30A95110-85B8-4301-B13B-F280A06B402E}" type="datetimeFigureOut">
               <a:rPr lang="ru-RU" smtClean="0"/>
-              <a:t>14.08.2021</a:t>
+              <a:t>20.08.2021</a:t>
             </a:fld>
             <a:endParaRPr lang="ru-RU"/>
           </a:p>
@@ -2087,7 +2096,7 @@
           <a:p>
             <a:fld id="{30A95110-85B8-4301-B13B-F280A06B402E}" type="datetimeFigureOut">
               <a:rPr lang="ru-RU" smtClean="0"/>
-              <a:t>14.08.2021</a:t>
+              <a:t>20.08.2021</a:t>
             </a:fld>
             <a:endParaRPr lang="ru-RU"/>
           </a:p>
@@ -2398,7 +2407,7 @@
           <a:p>
             <a:fld id="{30A95110-85B8-4301-B13B-F280A06B402E}" type="datetimeFigureOut">
               <a:rPr lang="ru-RU" smtClean="0"/>
-              <a:t>14.08.2021</a:t>
+              <a:t>20.08.2021</a:t>
             </a:fld>
             <a:endParaRPr lang="ru-RU"/>
           </a:p>
@@ -2686,7 +2695,7 @@
           <a:p>
             <a:fld id="{30A95110-85B8-4301-B13B-F280A06B402E}" type="datetimeFigureOut">
               <a:rPr lang="ru-RU" smtClean="0"/>
-              <a:t>14.08.2021</a:t>
+              <a:t>20.08.2021</a:t>
             </a:fld>
             <a:endParaRPr lang="ru-RU"/>
           </a:p>
@@ -2927,7 +2936,7 @@
           <a:p>
             <a:fld id="{30A95110-85B8-4301-B13B-F280A06B402E}" type="datetimeFigureOut">
               <a:rPr lang="ru-RU" smtClean="0"/>
-              <a:t>14.08.2021</a:t>
+              <a:t>20.08.2021</a:t>
             </a:fld>
             <a:endParaRPr lang="ru-RU"/>
           </a:p>
@@ -3421,6 +3430,752 @@
 </p:sld>
 </file>
 
+<file path=ppt/slides/slide10.xml><?xml version="1.0" encoding="utf-8"?>
+<p:sld xmlns:a="http://schemas.openxmlformats.org/drawingml/2006/main" xmlns:r="http://schemas.openxmlformats.org/officeDocument/2006/relationships" xmlns:p="http://schemas.openxmlformats.org/presentationml/2006/main">
+  <p:cSld>
+    <p:spTree>
+      <p:nvGrpSpPr>
+        <p:cNvPr id="1" name=""/>
+        <p:cNvGrpSpPr/>
+        <p:nvPr/>
+      </p:nvGrpSpPr>
+      <p:grpSpPr>
+        <a:xfrm>
+          <a:off x="0" y="0"/>
+          <a:ext cx="0" cy="0"/>
+          <a:chOff x="0" y="0"/>
+          <a:chExt cx="0" cy="0"/>
+        </a:xfrm>
+      </p:grpSpPr>
+      <p:sp>
+        <p:nvSpPr>
+          <p:cNvPr id="2" name="Заголовок 1">
+            <a:extLst>
+              <a:ext uri="{FF2B5EF4-FFF2-40B4-BE49-F238E27FC236}">
+                <a16:creationId xmlns:a16="http://schemas.microsoft.com/office/drawing/2014/main" id="{5902AC67-11C6-4279-8E2B-34A96B153E49}"/>
+              </a:ext>
+            </a:extLst>
+          </p:cNvPr>
+          <p:cNvSpPr>
+            <a:spLocks noGrp="1"/>
+          </p:cNvSpPr>
+          <p:nvPr>
+            <p:ph type="title"/>
+          </p:nvPr>
+        </p:nvSpPr>
+        <p:spPr/>
+        <p:txBody>
+          <a:bodyPr/>
+          <a:lstStyle/>
+          <a:p>
+            <a:r>
+              <a:rPr lang="ru-RU" dirty="0"/>
+              <a:t>Вопрос</a:t>
+            </a:r>
+          </a:p>
+        </p:txBody>
+      </p:sp>
+      <p:pic>
+        <p:nvPicPr>
+          <p:cNvPr id="5" name="Рисунок 4">
+            <a:extLst>
+              <a:ext uri="{FF2B5EF4-FFF2-40B4-BE49-F238E27FC236}">
+                <a16:creationId xmlns:a16="http://schemas.microsoft.com/office/drawing/2014/main" id="{E44EC348-4AD7-4AAC-9AEE-44944DB54F24}"/>
+              </a:ext>
+            </a:extLst>
+          </p:cNvPr>
+          <p:cNvPicPr>
+            <a:picLocks noChangeAspect="1"/>
+          </p:cNvPicPr>
+          <p:nvPr/>
+        </p:nvPicPr>
+        <p:blipFill>
+          <a:blip r:embed="rId2"/>
+          <a:stretch>
+            <a:fillRect/>
+          </a:stretch>
+        </p:blipFill>
+        <p:spPr>
+          <a:xfrm>
+            <a:off x="3161890" y="2233445"/>
+            <a:ext cx="5868219" cy="2391109"/>
+          </a:xfrm>
+          <a:prstGeom prst="rect">
+            <a:avLst/>
+          </a:prstGeom>
+        </p:spPr>
+      </p:pic>
+    </p:spTree>
+    <p:extLst>
+      <p:ext uri="{BB962C8B-B14F-4D97-AF65-F5344CB8AC3E}">
+        <p14:creationId xmlns:p14="http://schemas.microsoft.com/office/powerpoint/2010/main" val="38600358"/>
+      </p:ext>
+    </p:extLst>
+  </p:cSld>
+  <p:clrMapOvr>
+    <a:masterClrMapping/>
+  </p:clrMapOvr>
+</p:sld>
+</file>
+
+<file path=ppt/slides/slide11.xml><?xml version="1.0" encoding="utf-8"?>
+<p:sld xmlns:a="http://schemas.openxmlformats.org/drawingml/2006/main" xmlns:r="http://schemas.openxmlformats.org/officeDocument/2006/relationships" xmlns:p="http://schemas.openxmlformats.org/presentationml/2006/main">
+  <p:cSld>
+    <p:spTree>
+      <p:nvGrpSpPr>
+        <p:cNvPr id="1" name=""/>
+        <p:cNvGrpSpPr/>
+        <p:nvPr/>
+      </p:nvGrpSpPr>
+      <p:grpSpPr>
+        <a:xfrm>
+          <a:off x="0" y="0"/>
+          <a:ext cx="0" cy="0"/>
+          <a:chOff x="0" y="0"/>
+          <a:chExt cx="0" cy="0"/>
+        </a:xfrm>
+      </p:grpSpPr>
+      <p:sp>
+        <p:nvSpPr>
+          <p:cNvPr id="2" name="Заголовок 1">
+            <a:extLst>
+              <a:ext uri="{FF2B5EF4-FFF2-40B4-BE49-F238E27FC236}">
+                <a16:creationId xmlns:a16="http://schemas.microsoft.com/office/drawing/2014/main" id="{5902AC67-11C6-4279-8E2B-34A96B153E49}"/>
+              </a:ext>
+            </a:extLst>
+          </p:cNvPr>
+          <p:cNvSpPr>
+            <a:spLocks noGrp="1"/>
+          </p:cNvSpPr>
+          <p:nvPr>
+            <p:ph type="title"/>
+          </p:nvPr>
+        </p:nvSpPr>
+        <p:spPr/>
+        <p:txBody>
+          <a:bodyPr/>
+          <a:lstStyle/>
+          <a:p>
+            <a:r>
+              <a:rPr lang="ru-RU" dirty="0"/>
+              <a:t>Ответ</a:t>
+            </a:r>
+          </a:p>
+        </p:txBody>
+      </p:sp>
+      <p:pic>
+        <p:nvPicPr>
+          <p:cNvPr id="4" name="Рисунок 3">
+            <a:extLst>
+              <a:ext uri="{FF2B5EF4-FFF2-40B4-BE49-F238E27FC236}">
+                <a16:creationId xmlns:a16="http://schemas.microsoft.com/office/drawing/2014/main" id="{8CA385A1-EBD5-4CAA-A6F4-470E89B6EEF6}"/>
+              </a:ext>
+            </a:extLst>
+          </p:cNvPr>
+          <p:cNvPicPr>
+            <a:picLocks noChangeAspect="1"/>
+          </p:cNvPicPr>
+          <p:nvPr/>
+        </p:nvPicPr>
+        <p:blipFill>
+          <a:blip r:embed="rId2"/>
+          <a:stretch>
+            <a:fillRect/>
+          </a:stretch>
+        </p:blipFill>
+        <p:spPr>
+          <a:xfrm>
+            <a:off x="3114259" y="2428735"/>
+            <a:ext cx="5963482" cy="2000529"/>
+          </a:xfrm>
+          <a:prstGeom prst="rect">
+            <a:avLst/>
+          </a:prstGeom>
+        </p:spPr>
+      </p:pic>
+    </p:spTree>
+    <p:extLst>
+      <p:ext uri="{BB962C8B-B14F-4D97-AF65-F5344CB8AC3E}">
+        <p14:creationId xmlns:p14="http://schemas.microsoft.com/office/powerpoint/2010/main" val="1187533252"/>
+      </p:ext>
+    </p:extLst>
+  </p:cSld>
+  <p:clrMapOvr>
+    <a:masterClrMapping/>
+  </p:clrMapOvr>
+</p:sld>
+</file>
+
+<file path=ppt/slides/slide12.xml><?xml version="1.0" encoding="utf-8"?>
+<p:sld xmlns:a="http://schemas.openxmlformats.org/drawingml/2006/main" xmlns:r="http://schemas.openxmlformats.org/officeDocument/2006/relationships" xmlns:p="http://schemas.openxmlformats.org/presentationml/2006/main">
+  <p:cSld>
+    <p:spTree>
+      <p:nvGrpSpPr>
+        <p:cNvPr id="1" name=""/>
+        <p:cNvGrpSpPr/>
+        <p:nvPr/>
+      </p:nvGrpSpPr>
+      <p:grpSpPr>
+        <a:xfrm>
+          <a:off x="0" y="0"/>
+          <a:ext cx="0" cy="0"/>
+          <a:chOff x="0" y="0"/>
+          <a:chExt cx="0" cy="0"/>
+        </a:xfrm>
+      </p:grpSpPr>
+      <p:sp>
+        <p:nvSpPr>
+          <p:cNvPr id="2" name="Заголовок 1">
+            <a:extLst>
+              <a:ext uri="{FF2B5EF4-FFF2-40B4-BE49-F238E27FC236}">
+                <a16:creationId xmlns:a16="http://schemas.microsoft.com/office/drawing/2014/main" id="{5902AC67-11C6-4279-8E2B-34A96B153E49}"/>
+              </a:ext>
+            </a:extLst>
+          </p:cNvPr>
+          <p:cNvSpPr>
+            <a:spLocks noGrp="1"/>
+          </p:cNvSpPr>
+          <p:nvPr>
+            <p:ph type="title"/>
+          </p:nvPr>
+        </p:nvSpPr>
+        <p:spPr/>
+        <p:txBody>
+          <a:bodyPr/>
+          <a:lstStyle/>
+          <a:p>
+            <a:r>
+              <a:rPr lang="ru-RU" dirty="0"/>
+              <a:t>Вопрос</a:t>
+            </a:r>
+          </a:p>
+        </p:txBody>
+      </p:sp>
+      <p:pic>
+        <p:nvPicPr>
+          <p:cNvPr id="4" name="Рисунок 3">
+            <a:extLst>
+              <a:ext uri="{FF2B5EF4-FFF2-40B4-BE49-F238E27FC236}">
+                <a16:creationId xmlns:a16="http://schemas.microsoft.com/office/drawing/2014/main" id="{DC75EEC2-7E84-4FC5-94AD-DB56E7629F81}"/>
+              </a:ext>
+            </a:extLst>
+          </p:cNvPr>
+          <p:cNvPicPr>
+            <a:picLocks noChangeAspect="1"/>
+          </p:cNvPicPr>
+          <p:nvPr/>
+        </p:nvPicPr>
+        <p:blipFill>
+          <a:blip r:embed="rId2"/>
+          <a:stretch>
+            <a:fillRect/>
+          </a:stretch>
+        </p:blipFill>
+        <p:spPr>
+          <a:xfrm>
+            <a:off x="2933258" y="2428735"/>
+            <a:ext cx="6325483" cy="2000529"/>
+          </a:xfrm>
+          <a:prstGeom prst="rect">
+            <a:avLst/>
+          </a:prstGeom>
+        </p:spPr>
+      </p:pic>
+    </p:spTree>
+    <p:extLst>
+      <p:ext uri="{BB962C8B-B14F-4D97-AF65-F5344CB8AC3E}">
+        <p14:creationId xmlns:p14="http://schemas.microsoft.com/office/powerpoint/2010/main" val="1761405687"/>
+      </p:ext>
+    </p:extLst>
+  </p:cSld>
+  <p:clrMapOvr>
+    <a:masterClrMapping/>
+  </p:clrMapOvr>
+</p:sld>
+</file>
+
+<file path=ppt/slides/slide13.xml><?xml version="1.0" encoding="utf-8"?>
+<p:sld xmlns:a="http://schemas.openxmlformats.org/drawingml/2006/main" xmlns:r="http://schemas.openxmlformats.org/officeDocument/2006/relationships" xmlns:p="http://schemas.openxmlformats.org/presentationml/2006/main">
+  <p:cSld>
+    <p:spTree>
+      <p:nvGrpSpPr>
+        <p:cNvPr id="1" name=""/>
+        <p:cNvGrpSpPr/>
+        <p:nvPr/>
+      </p:nvGrpSpPr>
+      <p:grpSpPr>
+        <a:xfrm>
+          <a:off x="0" y="0"/>
+          <a:ext cx="0" cy="0"/>
+          <a:chOff x="0" y="0"/>
+          <a:chExt cx="0" cy="0"/>
+        </a:xfrm>
+      </p:grpSpPr>
+      <p:sp>
+        <p:nvSpPr>
+          <p:cNvPr id="2" name="Заголовок 1">
+            <a:extLst>
+              <a:ext uri="{FF2B5EF4-FFF2-40B4-BE49-F238E27FC236}">
+                <a16:creationId xmlns:a16="http://schemas.microsoft.com/office/drawing/2014/main" id="{5902AC67-11C6-4279-8E2B-34A96B153E49}"/>
+              </a:ext>
+            </a:extLst>
+          </p:cNvPr>
+          <p:cNvSpPr>
+            <a:spLocks noGrp="1"/>
+          </p:cNvSpPr>
+          <p:nvPr>
+            <p:ph type="title"/>
+          </p:nvPr>
+        </p:nvSpPr>
+        <p:spPr/>
+        <p:txBody>
+          <a:bodyPr/>
+          <a:lstStyle/>
+          <a:p>
+            <a:r>
+              <a:rPr lang="ru-RU" dirty="0"/>
+              <a:t>Ответ</a:t>
+            </a:r>
+          </a:p>
+        </p:txBody>
+      </p:sp>
+      <p:pic>
+        <p:nvPicPr>
+          <p:cNvPr id="5" name="Рисунок 4">
+            <a:extLst>
+              <a:ext uri="{FF2B5EF4-FFF2-40B4-BE49-F238E27FC236}">
+                <a16:creationId xmlns:a16="http://schemas.microsoft.com/office/drawing/2014/main" id="{465FF487-ADCD-4DFF-ABF2-58A3D60BD09A}"/>
+              </a:ext>
+            </a:extLst>
+          </p:cNvPr>
+          <p:cNvPicPr>
+            <a:picLocks noChangeAspect="1"/>
+          </p:cNvPicPr>
+          <p:nvPr/>
+        </p:nvPicPr>
+        <p:blipFill>
+          <a:blip r:embed="rId2"/>
+          <a:stretch>
+            <a:fillRect/>
+          </a:stretch>
+        </p:blipFill>
+        <p:spPr>
+          <a:xfrm>
+            <a:off x="3280969" y="2457314"/>
+            <a:ext cx="5630061" cy="1943371"/>
+          </a:xfrm>
+          <a:prstGeom prst="rect">
+            <a:avLst/>
+          </a:prstGeom>
+        </p:spPr>
+      </p:pic>
+    </p:spTree>
+    <p:extLst>
+      <p:ext uri="{BB962C8B-B14F-4D97-AF65-F5344CB8AC3E}">
+        <p14:creationId xmlns:p14="http://schemas.microsoft.com/office/powerpoint/2010/main" val="2529017076"/>
+      </p:ext>
+    </p:extLst>
+  </p:cSld>
+  <p:clrMapOvr>
+    <a:masterClrMapping/>
+  </p:clrMapOvr>
+</p:sld>
+</file>
+
+<file path=ppt/slides/slide14.xml><?xml version="1.0" encoding="utf-8"?>
+<p:sld xmlns:a="http://schemas.openxmlformats.org/drawingml/2006/main" xmlns:r="http://schemas.openxmlformats.org/officeDocument/2006/relationships" xmlns:p="http://schemas.openxmlformats.org/presentationml/2006/main">
+  <p:cSld>
+    <p:spTree>
+      <p:nvGrpSpPr>
+        <p:cNvPr id="1" name=""/>
+        <p:cNvGrpSpPr/>
+        <p:nvPr/>
+      </p:nvGrpSpPr>
+      <p:grpSpPr>
+        <a:xfrm>
+          <a:off x="0" y="0"/>
+          <a:ext cx="0" cy="0"/>
+          <a:chOff x="0" y="0"/>
+          <a:chExt cx="0" cy="0"/>
+        </a:xfrm>
+      </p:grpSpPr>
+      <p:sp>
+        <p:nvSpPr>
+          <p:cNvPr id="2" name="Заголовок 1">
+            <a:extLst>
+              <a:ext uri="{FF2B5EF4-FFF2-40B4-BE49-F238E27FC236}">
+                <a16:creationId xmlns:a16="http://schemas.microsoft.com/office/drawing/2014/main" id="{5902AC67-11C6-4279-8E2B-34A96B153E49}"/>
+              </a:ext>
+            </a:extLst>
+          </p:cNvPr>
+          <p:cNvSpPr>
+            <a:spLocks noGrp="1"/>
+          </p:cNvSpPr>
+          <p:nvPr>
+            <p:ph type="title"/>
+          </p:nvPr>
+        </p:nvSpPr>
+        <p:spPr/>
+        <p:txBody>
+          <a:bodyPr/>
+          <a:lstStyle/>
+          <a:p>
+            <a:r>
+              <a:rPr lang="ru-RU" dirty="0"/>
+              <a:t>Вопрос</a:t>
+            </a:r>
+          </a:p>
+        </p:txBody>
+      </p:sp>
+      <p:pic>
+        <p:nvPicPr>
+          <p:cNvPr id="5" name="Рисунок 4">
+            <a:extLst>
+              <a:ext uri="{FF2B5EF4-FFF2-40B4-BE49-F238E27FC236}">
+                <a16:creationId xmlns:a16="http://schemas.microsoft.com/office/drawing/2014/main" id="{0E531E02-96F9-45F5-8729-6D5045F2B9D9}"/>
+              </a:ext>
+            </a:extLst>
+          </p:cNvPr>
+          <p:cNvPicPr>
+            <a:picLocks noChangeAspect="1"/>
+          </p:cNvPicPr>
+          <p:nvPr/>
+        </p:nvPicPr>
+        <p:blipFill>
+          <a:blip r:embed="rId2"/>
+          <a:stretch>
+            <a:fillRect/>
+          </a:stretch>
+        </p:blipFill>
+        <p:spPr>
+          <a:xfrm>
+            <a:off x="2918969" y="2100077"/>
+            <a:ext cx="6354062" cy="2657846"/>
+          </a:xfrm>
+          <a:prstGeom prst="rect">
+            <a:avLst/>
+          </a:prstGeom>
+        </p:spPr>
+      </p:pic>
+    </p:spTree>
+    <p:extLst>
+      <p:ext uri="{BB962C8B-B14F-4D97-AF65-F5344CB8AC3E}">
+        <p14:creationId xmlns:p14="http://schemas.microsoft.com/office/powerpoint/2010/main" val="1889162232"/>
+      </p:ext>
+    </p:extLst>
+  </p:cSld>
+  <p:clrMapOvr>
+    <a:masterClrMapping/>
+  </p:clrMapOvr>
+</p:sld>
+</file>
+
+<file path=ppt/slides/slide15.xml><?xml version="1.0" encoding="utf-8"?>
+<p:sld xmlns:a="http://schemas.openxmlformats.org/drawingml/2006/main" xmlns:r="http://schemas.openxmlformats.org/officeDocument/2006/relationships" xmlns:p="http://schemas.openxmlformats.org/presentationml/2006/main">
+  <p:cSld>
+    <p:spTree>
+      <p:nvGrpSpPr>
+        <p:cNvPr id="1" name=""/>
+        <p:cNvGrpSpPr/>
+        <p:nvPr/>
+      </p:nvGrpSpPr>
+      <p:grpSpPr>
+        <a:xfrm>
+          <a:off x="0" y="0"/>
+          <a:ext cx="0" cy="0"/>
+          <a:chOff x="0" y="0"/>
+          <a:chExt cx="0" cy="0"/>
+        </a:xfrm>
+      </p:grpSpPr>
+      <p:sp>
+        <p:nvSpPr>
+          <p:cNvPr id="2" name="Заголовок 1">
+            <a:extLst>
+              <a:ext uri="{FF2B5EF4-FFF2-40B4-BE49-F238E27FC236}">
+                <a16:creationId xmlns:a16="http://schemas.microsoft.com/office/drawing/2014/main" id="{5902AC67-11C6-4279-8E2B-34A96B153E49}"/>
+              </a:ext>
+            </a:extLst>
+          </p:cNvPr>
+          <p:cNvSpPr>
+            <a:spLocks noGrp="1"/>
+          </p:cNvSpPr>
+          <p:nvPr>
+            <p:ph type="title"/>
+          </p:nvPr>
+        </p:nvSpPr>
+        <p:spPr/>
+        <p:txBody>
+          <a:bodyPr/>
+          <a:lstStyle/>
+          <a:p>
+            <a:r>
+              <a:rPr lang="ru-RU" dirty="0"/>
+              <a:t>Ответ</a:t>
+            </a:r>
+          </a:p>
+        </p:txBody>
+      </p:sp>
+      <p:pic>
+        <p:nvPicPr>
+          <p:cNvPr id="5" name="Рисунок 4">
+            <a:extLst>
+              <a:ext uri="{FF2B5EF4-FFF2-40B4-BE49-F238E27FC236}">
+                <a16:creationId xmlns:a16="http://schemas.microsoft.com/office/drawing/2014/main" id="{0E531E02-96F9-45F5-8729-6D5045F2B9D9}"/>
+              </a:ext>
+            </a:extLst>
+          </p:cNvPr>
+          <p:cNvPicPr>
+            <a:picLocks noChangeAspect="1"/>
+          </p:cNvPicPr>
+          <p:nvPr/>
+        </p:nvPicPr>
+        <p:blipFill>
+          <a:blip r:embed="rId2"/>
+          <a:stretch>
+            <a:fillRect/>
+          </a:stretch>
+        </p:blipFill>
+        <p:spPr>
+          <a:xfrm>
+            <a:off x="2918969" y="2100077"/>
+            <a:ext cx="6354062" cy="2657846"/>
+          </a:xfrm>
+          <a:prstGeom prst="rect">
+            <a:avLst/>
+          </a:prstGeom>
+        </p:spPr>
+      </p:pic>
+      <p:pic>
+        <p:nvPicPr>
+          <p:cNvPr id="4" name="Рисунок 3">
+            <a:extLst>
+              <a:ext uri="{FF2B5EF4-FFF2-40B4-BE49-F238E27FC236}">
+                <a16:creationId xmlns:a16="http://schemas.microsoft.com/office/drawing/2014/main" id="{077CFBB5-F6E0-464E-9057-8602170AF7C4}"/>
+              </a:ext>
+            </a:extLst>
+          </p:cNvPr>
+          <p:cNvPicPr>
+            <a:picLocks noChangeAspect="1"/>
+          </p:cNvPicPr>
+          <p:nvPr/>
+        </p:nvPicPr>
+        <p:blipFill>
+          <a:blip r:embed="rId3"/>
+          <a:stretch>
+            <a:fillRect/>
+          </a:stretch>
+        </p:blipFill>
+        <p:spPr>
+          <a:xfrm>
+            <a:off x="3004944" y="3069128"/>
+            <a:ext cx="276264" cy="266737"/>
+          </a:xfrm>
+          <a:prstGeom prst="rect">
+            <a:avLst/>
+          </a:prstGeom>
+        </p:spPr>
+      </p:pic>
+      <p:pic>
+        <p:nvPicPr>
+          <p:cNvPr id="7" name="Рисунок 6">
+            <a:extLst>
+              <a:ext uri="{FF2B5EF4-FFF2-40B4-BE49-F238E27FC236}">
+                <a16:creationId xmlns:a16="http://schemas.microsoft.com/office/drawing/2014/main" id="{A2C5E03F-E972-4347-9863-FA75EFB29C7E}"/>
+              </a:ext>
+            </a:extLst>
+          </p:cNvPr>
+          <p:cNvPicPr>
+            <a:picLocks noChangeAspect="1"/>
+          </p:cNvPicPr>
+          <p:nvPr/>
+        </p:nvPicPr>
+        <p:blipFill>
+          <a:blip r:embed="rId3"/>
+          <a:stretch>
+            <a:fillRect/>
+          </a:stretch>
+        </p:blipFill>
+        <p:spPr>
+          <a:xfrm>
+            <a:off x="3004944" y="3522136"/>
+            <a:ext cx="276264" cy="266737"/>
+          </a:xfrm>
+          <a:prstGeom prst="rect">
+            <a:avLst/>
+          </a:prstGeom>
+        </p:spPr>
+      </p:pic>
+      <p:pic>
+        <p:nvPicPr>
+          <p:cNvPr id="9" name="Рисунок 8">
+            <a:extLst>
+              <a:ext uri="{FF2B5EF4-FFF2-40B4-BE49-F238E27FC236}">
+                <a16:creationId xmlns:a16="http://schemas.microsoft.com/office/drawing/2014/main" id="{050790C6-4A7D-4582-B032-F1081ECED1C9}"/>
+              </a:ext>
+            </a:extLst>
+          </p:cNvPr>
+          <p:cNvPicPr>
+            <a:picLocks noChangeAspect="1"/>
+          </p:cNvPicPr>
+          <p:nvPr/>
+        </p:nvPicPr>
+        <p:blipFill>
+          <a:blip r:embed="rId3"/>
+          <a:stretch>
+            <a:fillRect/>
+          </a:stretch>
+        </p:blipFill>
+        <p:spPr>
+          <a:xfrm>
+            <a:off x="3004944" y="3975144"/>
+            <a:ext cx="276264" cy="266737"/>
+          </a:xfrm>
+          <a:prstGeom prst="rect">
+            <a:avLst/>
+          </a:prstGeom>
+        </p:spPr>
+      </p:pic>
+    </p:spTree>
+    <p:extLst>
+      <p:ext uri="{BB962C8B-B14F-4D97-AF65-F5344CB8AC3E}">
+        <p14:creationId xmlns:p14="http://schemas.microsoft.com/office/powerpoint/2010/main" val="3442515613"/>
+      </p:ext>
+    </p:extLst>
+  </p:cSld>
+  <p:clrMapOvr>
+    <a:masterClrMapping/>
+  </p:clrMapOvr>
+</p:sld>
+</file>
+
+<file path=ppt/slides/slide16.xml><?xml version="1.0" encoding="utf-8"?>
+<p:sld xmlns:a="http://schemas.openxmlformats.org/drawingml/2006/main" xmlns:r="http://schemas.openxmlformats.org/officeDocument/2006/relationships" xmlns:p="http://schemas.openxmlformats.org/presentationml/2006/main">
+  <p:cSld>
+    <p:spTree>
+      <p:nvGrpSpPr>
+        <p:cNvPr id="1" name=""/>
+        <p:cNvGrpSpPr/>
+        <p:nvPr/>
+      </p:nvGrpSpPr>
+      <p:grpSpPr>
+        <a:xfrm>
+          <a:off x="0" y="0"/>
+          <a:ext cx="0" cy="0"/>
+          <a:chOff x="0" y="0"/>
+          <a:chExt cx="0" cy="0"/>
+        </a:xfrm>
+      </p:grpSpPr>
+      <p:sp>
+        <p:nvSpPr>
+          <p:cNvPr id="2" name="Заголовок 1">
+            <a:extLst>
+              <a:ext uri="{FF2B5EF4-FFF2-40B4-BE49-F238E27FC236}">
+                <a16:creationId xmlns:a16="http://schemas.microsoft.com/office/drawing/2014/main" id="{0011C474-5360-4446-83E9-C1E9AF04B0FD}"/>
+              </a:ext>
+            </a:extLst>
+          </p:cNvPr>
+          <p:cNvSpPr>
+            <a:spLocks noGrp="1"/>
+          </p:cNvSpPr>
+          <p:nvPr>
+            <p:ph type="title"/>
+          </p:nvPr>
+        </p:nvSpPr>
+        <p:spPr/>
+        <p:txBody>
+          <a:bodyPr/>
+          <a:lstStyle/>
+          <a:p>
+            <a:r>
+              <a:rPr lang="ru-RU" dirty="0"/>
+              <a:t>Вопрос для обсуждения</a:t>
+            </a:r>
+          </a:p>
+        </p:txBody>
+      </p:sp>
+      <p:sp>
+        <p:nvSpPr>
+          <p:cNvPr id="5" name="TextBox 4">
+            <a:extLst>
+              <a:ext uri="{FF2B5EF4-FFF2-40B4-BE49-F238E27FC236}">
+                <a16:creationId xmlns:a16="http://schemas.microsoft.com/office/drawing/2014/main" id="{11451FC7-A9E2-494A-99C3-8FD644DF6F9D}"/>
+              </a:ext>
+            </a:extLst>
+          </p:cNvPr>
+          <p:cNvSpPr txBox="1"/>
+          <p:nvPr/>
+        </p:nvSpPr>
+        <p:spPr>
+          <a:xfrm>
+            <a:off x="3047301" y="2415435"/>
+            <a:ext cx="6094602" cy="2308324"/>
+          </a:xfrm>
+          <a:prstGeom prst="rect">
+            <a:avLst/>
+          </a:prstGeom>
+          <a:noFill/>
+        </p:spPr>
+        <p:txBody>
+          <a:bodyPr wrap="square">
+            <a:spAutoFit/>
+          </a:bodyPr>
+          <a:lstStyle/>
+          <a:p>
+            <a:pPr algn="ctr"/>
+            <a:r>
+              <a:rPr lang="ru-RU" b="1" dirty="0">
+                <a:effectLst/>
+                <a:latin typeface="OpenSans-Light"/>
+              </a:rPr>
+              <a:t>Раннее и позднее развитие областей мозга</a:t>
+            </a:r>
+          </a:p>
+          <a:p>
+            <a:pPr algn="l"/>
+            <a:endParaRPr lang="ru-RU" b="0" i="0" dirty="0">
+              <a:solidFill>
+                <a:srgbClr val="1F1F1F"/>
+              </a:solidFill>
+              <a:effectLst/>
+              <a:latin typeface="OpenSans"/>
+            </a:endParaRPr>
+          </a:p>
+          <a:p>
+            <a:pPr algn="l"/>
+            <a:r>
+              <a:rPr lang="ru-RU" b="0" i="0" dirty="0">
+                <a:solidFill>
+                  <a:srgbClr val="1F1F1F"/>
+                </a:solidFill>
+                <a:effectLst/>
+                <a:latin typeface="OpenSans"/>
+              </a:rPr>
+              <a:t>Ожидаете ли вы, что разные типы функций будут связаны с рано или поздно развивающимися областями мозга? Если да, то какие типы, по вашему мнению, связаны с каждым из них?</a:t>
+            </a:r>
+          </a:p>
+          <a:p>
+            <a:br>
+              <a:rPr lang="ru-RU" dirty="0">
+                <a:effectLst/>
+              </a:rPr>
+            </a:br>
+            <a:endParaRPr lang="ru-RU" dirty="0"/>
+          </a:p>
+        </p:txBody>
+      </p:sp>
+    </p:spTree>
+    <p:extLst>
+      <p:ext uri="{BB962C8B-B14F-4D97-AF65-F5344CB8AC3E}">
+        <p14:creationId xmlns:p14="http://schemas.microsoft.com/office/powerpoint/2010/main" val="699982428"/>
+      </p:ext>
+    </p:extLst>
+  </p:cSld>
+  <p:clrMapOvr>
+    <a:masterClrMapping/>
+  </p:clrMapOvr>
+</p:sld>
+</file>
+
 <file path=ppt/slides/slide2.xml><?xml version="1.0" encoding="utf-8"?>
 <p:sld xmlns:a="http://schemas.openxmlformats.org/drawingml/2006/main" xmlns:r="http://schemas.openxmlformats.org/officeDocument/2006/relationships" xmlns:p="http://schemas.openxmlformats.org/presentationml/2006/main">
   <p:cSld>
@@ -6837,6 +7592,272 @@
     <p:extLst>
       <p:ext uri="{BB962C8B-B14F-4D97-AF65-F5344CB8AC3E}">
         <p14:creationId xmlns:p14="http://schemas.microsoft.com/office/powerpoint/2010/main" val="926673711"/>
+      </p:ext>
+    </p:extLst>
+  </p:cSld>
+  <p:clrMapOvr>
+    <a:masterClrMapping/>
+  </p:clrMapOvr>
+</p:sld>
+</file>
+
+<file path=ppt/slides/slide8.xml><?xml version="1.0" encoding="utf-8"?>
+<p:sld xmlns:a="http://schemas.openxmlformats.org/drawingml/2006/main" xmlns:r="http://schemas.openxmlformats.org/officeDocument/2006/relationships" xmlns:p="http://schemas.openxmlformats.org/presentationml/2006/main">
+  <p:cSld>
+    <p:spTree>
+      <p:nvGrpSpPr>
+        <p:cNvPr id="1" name=""/>
+        <p:cNvGrpSpPr/>
+        <p:nvPr/>
+      </p:nvGrpSpPr>
+      <p:grpSpPr>
+        <a:xfrm>
+          <a:off x="0" y="0"/>
+          <a:ext cx="0" cy="0"/>
+          <a:chOff x="0" y="0"/>
+          <a:chExt cx="0" cy="0"/>
+        </a:xfrm>
+      </p:grpSpPr>
+      <p:sp>
+        <p:nvSpPr>
+          <p:cNvPr id="2" name="Заголовок 1">
+            <a:extLst>
+              <a:ext uri="{FF2B5EF4-FFF2-40B4-BE49-F238E27FC236}">
+                <a16:creationId xmlns:a16="http://schemas.microsoft.com/office/drawing/2014/main" id="{0D08C50A-5530-452A-8F65-9145CEE9B5D8}"/>
+              </a:ext>
+            </a:extLst>
+          </p:cNvPr>
+          <p:cNvSpPr>
+            <a:spLocks noGrp="1"/>
+          </p:cNvSpPr>
+          <p:nvPr>
+            <p:ph type="title"/>
+          </p:nvPr>
+        </p:nvSpPr>
+        <p:spPr/>
+        <p:txBody>
+          <a:bodyPr/>
+          <a:lstStyle/>
+          <a:p>
+            <a:r>
+              <a:rPr lang="ru-RU" dirty="0"/>
+              <a:t>Вопрос</a:t>
+            </a:r>
+          </a:p>
+        </p:txBody>
+      </p:sp>
+      <p:pic>
+        <p:nvPicPr>
+          <p:cNvPr id="5" name="Рисунок 4">
+            <a:extLst>
+              <a:ext uri="{FF2B5EF4-FFF2-40B4-BE49-F238E27FC236}">
+                <a16:creationId xmlns:a16="http://schemas.microsoft.com/office/drawing/2014/main" id="{BDA6F606-8604-47EF-B803-C86C39A78515}"/>
+              </a:ext>
+            </a:extLst>
+          </p:cNvPr>
+          <p:cNvPicPr>
+            <a:picLocks noChangeAspect="1"/>
+          </p:cNvPicPr>
+          <p:nvPr/>
+        </p:nvPicPr>
+        <p:blipFill>
+          <a:blip r:embed="rId2"/>
+          <a:stretch>
+            <a:fillRect/>
+          </a:stretch>
+        </p:blipFill>
+        <p:spPr>
+          <a:xfrm>
+            <a:off x="2999943" y="2333472"/>
+            <a:ext cx="6192114" cy="2191056"/>
+          </a:xfrm>
+          <a:prstGeom prst="rect">
+            <a:avLst/>
+          </a:prstGeom>
+        </p:spPr>
+      </p:pic>
+    </p:spTree>
+    <p:extLst>
+      <p:ext uri="{BB962C8B-B14F-4D97-AF65-F5344CB8AC3E}">
+        <p14:creationId xmlns:p14="http://schemas.microsoft.com/office/powerpoint/2010/main" val="3926681436"/>
+      </p:ext>
+    </p:extLst>
+  </p:cSld>
+  <p:clrMapOvr>
+    <a:masterClrMapping/>
+  </p:clrMapOvr>
+</p:sld>
+</file>
+
+<file path=ppt/slides/slide9.xml><?xml version="1.0" encoding="utf-8"?>
+<p:sld xmlns:a="http://schemas.openxmlformats.org/drawingml/2006/main" xmlns:r="http://schemas.openxmlformats.org/officeDocument/2006/relationships" xmlns:p="http://schemas.openxmlformats.org/presentationml/2006/main">
+  <p:cSld>
+    <p:spTree>
+      <p:nvGrpSpPr>
+        <p:cNvPr id="1" name=""/>
+        <p:cNvGrpSpPr/>
+        <p:nvPr/>
+      </p:nvGrpSpPr>
+      <p:grpSpPr>
+        <a:xfrm>
+          <a:off x="0" y="0"/>
+          <a:ext cx="0" cy="0"/>
+          <a:chOff x="0" y="0"/>
+          <a:chExt cx="0" cy="0"/>
+        </a:xfrm>
+      </p:grpSpPr>
+      <p:sp>
+        <p:nvSpPr>
+          <p:cNvPr id="2" name="Заголовок 1">
+            <a:extLst>
+              <a:ext uri="{FF2B5EF4-FFF2-40B4-BE49-F238E27FC236}">
+                <a16:creationId xmlns:a16="http://schemas.microsoft.com/office/drawing/2014/main" id="{0D08C50A-5530-452A-8F65-9145CEE9B5D8}"/>
+              </a:ext>
+            </a:extLst>
+          </p:cNvPr>
+          <p:cNvSpPr>
+            <a:spLocks noGrp="1"/>
+          </p:cNvSpPr>
+          <p:nvPr>
+            <p:ph type="title"/>
+          </p:nvPr>
+        </p:nvSpPr>
+        <p:spPr/>
+        <p:txBody>
+          <a:bodyPr/>
+          <a:lstStyle/>
+          <a:p>
+            <a:r>
+              <a:rPr lang="ru-RU" dirty="0"/>
+              <a:t>Ответ</a:t>
+            </a:r>
+          </a:p>
+        </p:txBody>
+      </p:sp>
+      <p:pic>
+        <p:nvPicPr>
+          <p:cNvPr id="5" name="Рисунок 4">
+            <a:extLst>
+              <a:ext uri="{FF2B5EF4-FFF2-40B4-BE49-F238E27FC236}">
+                <a16:creationId xmlns:a16="http://schemas.microsoft.com/office/drawing/2014/main" id="{BDA6F606-8604-47EF-B803-C86C39A78515}"/>
+              </a:ext>
+            </a:extLst>
+          </p:cNvPr>
+          <p:cNvPicPr>
+            <a:picLocks noChangeAspect="1"/>
+          </p:cNvPicPr>
+          <p:nvPr/>
+        </p:nvPicPr>
+        <p:blipFill>
+          <a:blip r:embed="rId2"/>
+          <a:stretch>
+            <a:fillRect/>
+          </a:stretch>
+        </p:blipFill>
+        <p:spPr>
+          <a:xfrm>
+            <a:off x="2999943" y="2333472"/>
+            <a:ext cx="6192114" cy="2191056"/>
+          </a:xfrm>
+          <a:prstGeom prst="rect">
+            <a:avLst/>
+          </a:prstGeom>
+        </p:spPr>
+      </p:pic>
+      <p:pic>
+        <p:nvPicPr>
+          <p:cNvPr id="4" name="Рисунок 3">
+            <a:extLst>
+              <a:ext uri="{FF2B5EF4-FFF2-40B4-BE49-F238E27FC236}">
+                <a16:creationId xmlns:a16="http://schemas.microsoft.com/office/drawing/2014/main" id="{3A1B073E-2F37-46C6-B910-C0A402A3C272}"/>
+              </a:ext>
+            </a:extLst>
+          </p:cNvPr>
+          <p:cNvPicPr>
+            <a:picLocks noChangeAspect="1"/>
+          </p:cNvPicPr>
+          <p:nvPr/>
+        </p:nvPicPr>
+        <p:blipFill>
+          <a:blip r:embed="rId3"/>
+          <a:stretch>
+            <a:fillRect/>
+          </a:stretch>
+        </p:blipFill>
+        <p:spPr>
+          <a:xfrm>
+            <a:off x="3060040" y="3022421"/>
+            <a:ext cx="266737" cy="276264"/>
+          </a:xfrm>
+          <a:prstGeom prst="rect">
+            <a:avLst/>
+          </a:prstGeom>
+        </p:spPr>
+      </p:pic>
+      <p:pic>
+        <p:nvPicPr>
+          <p:cNvPr id="7" name="Рисунок 6">
+            <a:extLst>
+              <a:ext uri="{FF2B5EF4-FFF2-40B4-BE49-F238E27FC236}">
+                <a16:creationId xmlns:a16="http://schemas.microsoft.com/office/drawing/2014/main" id="{DAF4D12A-56AB-4661-A715-8D1DD0ABB016}"/>
+              </a:ext>
+            </a:extLst>
+          </p:cNvPr>
+          <p:cNvPicPr>
+            <a:picLocks noChangeAspect="1"/>
+          </p:cNvPicPr>
+          <p:nvPr/>
+        </p:nvPicPr>
+        <p:blipFill>
+          <a:blip r:embed="rId3"/>
+          <a:stretch>
+            <a:fillRect/>
+          </a:stretch>
+        </p:blipFill>
+        <p:spPr>
+          <a:xfrm>
+            <a:off x="3060040" y="3477237"/>
+            <a:ext cx="266737" cy="276264"/>
+          </a:xfrm>
+          <a:prstGeom prst="rect">
+            <a:avLst/>
+          </a:prstGeom>
+        </p:spPr>
+      </p:pic>
+      <p:pic>
+        <p:nvPicPr>
+          <p:cNvPr id="8" name="Рисунок 7">
+            <a:extLst>
+              <a:ext uri="{FF2B5EF4-FFF2-40B4-BE49-F238E27FC236}">
+                <a16:creationId xmlns:a16="http://schemas.microsoft.com/office/drawing/2014/main" id="{5DB1CAE1-452B-44A5-9D0B-074311D80A8A}"/>
+              </a:ext>
+            </a:extLst>
+          </p:cNvPr>
+          <p:cNvPicPr>
+            <a:picLocks noChangeAspect="1"/>
+          </p:cNvPicPr>
+          <p:nvPr/>
+        </p:nvPicPr>
+        <p:blipFill>
+          <a:blip r:embed="rId3"/>
+          <a:stretch>
+            <a:fillRect/>
+          </a:stretch>
+        </p:blipFill>
+        <p:spPr>
+          <a:xfrm>
+            <a:off x="3060039" y="3906886"/>
+            <a:ext cx="266737" cy="276264"/>
+          </a:xfrm>
+          <a:prstGeom prst="rect">
+            <a:avLst/>
+          </a:prstGeom>
+        </p:spPr>
+      </p:pic>
+    </p:spTree>
+    <p:extLst>
+      <p:ext uri="{BB962C8B-B14F-4D97-AF65-F5344CB8AC3E}">
+        <p14:creationId xmlns:p14="http://schemas.microsoft.com/office/powerpoint/2010/main" val="842927650"/>
       </p:ext>
     </p:extLst>
   </p:cSld>
